--- a/.docs/Colors.pptx
+++ b/.docs/Colors.pptx
@@ -108,6 +108,11 @@
       </a:defRPr>
     </a:lvl9pPr>
   </p:defaultTextStyle>
+  <p:extLst>
+    <p:ext uri="{EFAFB233-063F-42B5-8137-9DF3F51BA10A}">
+      <p15:sldGuideLst xmlns:p15="http://schemas.microsoft.com/office/powerpoint/2012/main"/>
+    </p:ext>
+  </p:extLst>
 </p:presentation>
 </file>
 
@@ -4492,7 +4497,96 @@
                 <a:latin typeface="Arial" panose="020B0604020202020204" pitchFamily="34" charset="0"/>
                 <a:cs typeface="Arial" panose="020B0604020202020204" pitchFamily="34" charset="0"/>
               </a:rPr>
-              <a:t>#ce4639</a:t>
+              <a:t>#d10022</a:t>
+            </a:r>
+          </a:p>
+        </p:txBody>
+      </p:sp>
+      <p:sp>
+        <p:nvSpPr>
+          <p:cNvPr id="17" name="Rectangle: Rounded Corners 16">
+            <a:extLst>
+              <a:ext uri="{FF2B5EF4-FFF2-40B4-BE49-F238E27FC236}">
+                <a16:creationId xmlns:a16="http://schemas.microsoft.com/office/drawing/2014/main" id="{D5E400D1-D223-4CE2-81D4-0A844022331E}"/>
+              </a:ext>
+            </a:extLst>
+          </p:cNvPr>
+          <p:cNvSpPr/>
+          <p:nvPr/>
+        </p:nvSpPr>
+        <p:spPr>
+          <a:xfrm>
+            <a:off x="8067869" y="2677883"/>
+            <a:ext cx="1716833" cy="839755"/>
+          </a:xfrm>
+          <a:prstGeom prst="roundRect">
+            <a:avLst>
+              <a:gd name="adj" fmla="val 41111"/>
+            </a:avLst>
+          </a:prstGeom>
+          <a:solidFill>
+            <a:srgbClr val="B00020"/>
+          </a:solidFill>
+        </p:spPr>
+        <p:style>
+          <a:lnRef idx="2">
+            <a:schemeClr val="accent1">
+              <a:shade val="50000"/>
+            </a:schemeClr>
+          </a:lnRef>
+          <a:fillRef idx="1">
+            <a:schemeClr val="accent1"/>
+          </a:fillRef>
+          <a:effectRef idx="0">
+            <a:schemeClr val="accent1"/>
+          </a:effectRef>
+          <a:fontRef idx="minor">
+            <a:schemeClr val="lt1"/>
+          </a:fontRef>
+        </p:style>
+        <p:txBody>
+          <a:bodyPr rot="0" spcFirstLastPara="0" vertOverflow="overflow" horzOverflow="overflow" vert="horz" wrap="square" lIns="91440" tIns="45720" rIns="91440" bIns="45720" numCol="1" spcCol="0" rtlCol="0" fromWordArt="0" anchor="ctr" anchorCtr="0" forceAA="0" compatLnSpc="1">
+            <a:prstTxWarp prst="textNoShape">
+              <a:avLst/>
+            </a:prstTxWarp>
+            <a:noAutofit/>
+          </a:bodyPr>
+          <a:lstStyle/>
+          <a:p>
+            <a:pPr algn="ctr"/>
+            <a:r>
+              <a:rPr lang="en-US" sz="1400" dirty="0">
+                <a:latin typeface="Arial" panose="020B0604020202020204" pitchFamily="34" charset="0"/>
+                <a:cs typeface="Arial" panose="020B0604020202020204" pitchFamily="34" charset="0"/>
+              </a:rPr>
+              <a:t>red fill</a:t>
+            </a:r>
+          </a:p>
+          <a:p>
+            <a:pPr algn="ctr"/>
+            <a:r>
+              <a:rPr lang="en-US" sz="1400" dirty="0" err="1">
+                <a:latin typeface="Arial" panose="020B0604020202020204" pitchFamily="34" charset="0"/>
+                <a:cs typeface="Arial" panose="020B0604020202020204" pitchFamily="34" charset="0"/>
+              </a:rPr>
+              <a:t>rgb</a:t>
+            </a:r>
+            <a:r>
+              <a:rPr lang="en-US" sz="1400" dirty="0">
+                <a:latin typeface="Arial" panose="020B0604020202020204" pitchFamily="34" charset="0"/>
+                <a:cs typeface="Arial" panose="020B0604020202020204" pitchFamily="34" charset="0"/>
+              </a:rPr>
+              <a:t> (176, 0, 32)</a:t>
+            </a:r>
+          </a:p>
+          <a:p>
+            <a:pPr algn="ctr"/>
+            <a:r>
+              <a:rPr lang="en-US" sz="1400" dirty="0">
+                <a:latin typeface="Arial" panose="020B0604020202020204" pitchFamily="34" charset="0"/>
+                <a:cs typeface="Arial" panose="020B0604020202020204" pitchFamily="34" charset="0"/>
+              </a:rPr>
+              <a:t>#b00020</a:t>
             </a:r>
           </a:p>
         </p:txBody>

--- a/.docs/Colors.pptx
+++ b/.docs/Colors.pptx
@@ -263,7 +263,7 @@
           <a:p>
             <a:fld id="{05A6EB13-6498-481B-B8D6-603968F3149D}" type="datetimeFigureOut">
               <a:rPr lang="en-US" smtClean="0"/>
-              <a:t>1/15/2019</a:t>
+              <a:t>1/16/2019</a:t>
             </a:fld>
             <a:endParaRPr lang="en-US"/>
           </a:p>
@@ -461,7 +461,7 @@
           <a:p>
             <a:fld id="{05A6EB13-6498-481B-B8D6-603968F3149D}" type="datetimeFigureOut">
               <a:rPr lang="en-US" smtClean="0"/>
-              <a:t>1/15/2019</a:t>
+              <a:t>1/16/2019</a:t>
             </a:fld>
             <a:endParaRPr lang="en-US"/>
           </a:p>
@@ -669,7 +669,7 @@
           <a:p>
             <a:fld id="{05A6EB13-6498-481B-B8D6-603968F3149D}" type="datetimeFigureOut">
               <a:rPr lang="en-US" smtClean="0"/>
-              <a:t>1/15/2019</a:t>
+              <a:t>1/16/2019</a:t>
             </a:fld>
             <a:endParaRPr lang="en-US"/>
           </a:p>
@@ -867,7 +867,7 @@
           <a:p>
             <a:fld id="{05A6EB13-6498-481B-B8D6-603968F3149D}" type="datetimeFigureOut">
               <a:rPr lang="en-US" smtClean="0"/>
-              <a:t>1/15/2019</a:t>
+              <a:t>1/16/2019</a:t>
             </a:fld>
             <a:endParaRPr lang="en-US"/>
           </a:p>
@@ -1142,7 +1142,7 @@
           <a:p>
             <a:fld id="{05A6EB13-6498-481B-B8D6-603968F3149D}" type="datetimeFigureOut">
               <a:rPr lang="en-US" smtClean="0"/>
-              <a:t>1/15/2019</a:t>
+              <a:t>1/16/2019</a:t>
             </a:fld>
             <a:endParaRPr lang="en-US"/>
           </a:p>
@@ -1407,7 +1407,7 @@
           <a:p>
             <a:fld id="{05A6EB13-6498-481B-B8D6-603968F3149D}" type="datetimeFigureOut">
               <a:rPr lang="en-US" smtClean="0"/>
-              <a:t>1/15/2019</a:t>
+              <a:t>1/16/2019</a:t>
             </a:fld>
             <a:endParaRPr lang="en-US"/>
           </a:p>
@@ -1819,7 +1819,7 @@
           <a:p>
             <a:fld id="{05A6EB13-6498-481B-B8D6-603968F3149D}" type="datetimeFigureOut">
               <a:rPr lang="en-US" smtClean="0"/>
-              <a:t>1/15/2019</a:t>
+              <a:t>1/16/2019</a:t>
             </a:fld>
             <a:endParaRPr lang="en-US"/>
           </a:p>
@@ -1960,7 +1960,7 @@
           <a:p>
             <a:fld id="{05A6EB13-6498-481B-B8D6-603968F3149D}" type="datetimeFigureOut">
               <a:rPr lang="en-US" smtClean="0"/>
-              <a:t>1/15/2019</a:t>
+              <a:t>1/16/2019</a:t>
             </a:fld>
             <a:endParaRPr lang="en-US"/>
           </a:p>
@@ -2073,7 +2073,7 @@
           <a:p>
             <a:fld id="{05A6EB13-6498-481B-B8D6-603968F3149D}" type="datetimeFigureOut">
               <a:rPr lang="en-US" smtClean="0"/>
-              <a:t>1/15/2019</a:t>
+              <a:t>1/16/2019</a:t>
             </a:fld>
             <a:endParaRPr lang="en-US"/>
           </a:p>
@@ -2384,7 +2384,7 @@
           <a:p>
             <a:fld id="{05A6EB13-6498-481B-B8D6-603968F3149D}" type="datetimeFigureOut">
               <a:rPr lang="en-US" smtClean="0"/>
-              <a:t>1/15/2019</a:t>
+              <a:t>1/16/2019</a:t>
             </a:fld>
             <a:endParaRPr lang="en-US"/>
           </a:p>
@@ -2672,7 +2672,7 @@
           <a:p>
             <a:fld id="{05A6EB13-6498-481B-B8D6-603968F3149D}" type="datetimeFigureOut">
               <a:rPr lang="en-US" smtClean="0"/>
-              <a:t>1/15/2019</a:t>
+              <a:t>1/16/2019</a:t>
             </a:fld>
             <a:endParaRPr lang="en-US"/>
           </a:p>
@@ -2913,7 +2913,7 @@
           <a:p>
             <a:fld id="{05A6EB13-6498-481B-B8D6-603968F3149D}" type="datetimeFigureOut">
               <a:rPr lang="en-US" smtClean="0"/>
-              <a:t>1/15/2019</a:t>
+              <a:t>1/16/2019</a:t>
             </a:fld>
             <a:endParaRPr lang="en-US"/>
           </a:p>
@@ -5046,10 +5046,10 @@
       </p:sp>
       <p:pic>
         <p:nvPicPr>
-          <p:cNvPr id="4" name="Picture 3">
-            <a:extLst>
-              <a:ext uri="{FF2B5EF4-FFF2-40B4-BE49-F238E27FC236}">
-                <a16:creationId xmlns:a16="http://schemas.microsoft.com/office/drawing/2014/main" id="{ED93BF9A-1B9A-4438-92E3-D76D95752126}"/>
+          <p:cNvPr id="5" name="Picture 4">
+            <a:extLst>
+              <a:ext uri="{FF2B5EF4-FFF2-40B4-BE49-F238E27FC236}">
+                <a16:creationId xmlns:a16="http://schemas.microsoft.com/office/drawing/2014/main" id="{55955007-2F9C-4AA9-8DC0-56D330F77D86}"/>
               </a:ext>
             </a:extLst>
           </p:cNvPr>
@@ -5072,9 +5072,6 @@
           <a:prstGeom prst="rect">
             <a:avLst/>
           </a:prstGeom>
-          <a:solidFill>
-            <a:srgbClr val="D10022"/>
-          </a:solidFill>
         </p:spPr>
       </p:pic>
     </p:spTree>
